--- a/Neurograph Icon Files/icon.pptx
+++ b/Neurograph Icon Files/icon.pptx
@@ -6,6 +6,7 @@
   </p:sldMasterIdLst>
   <p:sldIdLst>
     <p:sldId id="256" r:id="rId2"/>
+    <p:sldId id="257" r:id="rId3"/>
   </p:sldIdLst>
   <p:sldSz cx="12192000" cy="6858000"/>
   <p:notesSz cx="6858000" cy="9144000"/>
@@ -265,7 +266,7 @@
           <a:p>
             <a:fld id="{AC8F7B9F-5937-493E-97C3-505048254EEC}" type="datetimeFigureOut">
               <a:rPr lang="en-AU" smtClean="0"/>
-              <a:t>16/05/2018</a:t>
+              <a:t>18/05/2018</a:t>
             </a:fld>
             <a:endParaRPr lang="en-AU"/>
           </a:p>
@@ -465,7 +466,7 @@
           <a:p>
             <a:fld id="{AC8F7B9F-5937-493E-97C3-505048254EEC}" type="datetimeFigureOut">
               <a:rPr lang="en-AU" smtClean="0"/>
-              <a:t>16/05/2018</a:t>
+              <a:t>18/05/2018</a:t>
             </a:fld>
             <a:endParaRPr lang="en-AU"/>
           </a:p>
@@ -675,7 +676,7 @@
           <a:p>
             <a:fld id="{AC8F7B9F-5937-493E-97C3-505048254EEC}" type="datetimeFigureOut">
               <a:rPr lang="en-AU" smtClean="0"/>
-              <a:t>16/05/2018</a:t>
+              <a:t>18/05/2018</a:t>
             </a:fld>
             <a:endParaRPr lang="en-AU"/>
           </a:p>
@@ -875,7 +876,7 @@
           <a:p>
             <a:fld id="{AC8F7B9F-5937-493E-97C3-505048254EEC}" type="datetimeFigureOut">
               <a:rPr lang="en-AU" smtClean="0"/>
-              <a:t>16/05/2018</a:t>
+              <a:t>18/05/2018</a:t>
             </a:fld>
             <a:endParaRPr lang="en-AU"/>
           </a:p>
@@ -1151,7 +1152,7 @@
           <a:p>
             <a:fld id="{AC8F7B9F-5937-493E-97C3-505048254EEC}" type="datetimeFigureOut">
               <a:rPr lang="en-AU" smtClean="0"/>
-              <a:t>16/05/2018</a:t>
+              <a:t>18/05/2018</a:t>
             </a:fld>
             <a:endParaRPr lang="en-AU"/>
           </a:p>
@@ -1419,7 +1420,7 @@
           <a:p>
             <a:fld id="{AC8F7B9F-5937-493E-97C3-505048254EEC}" type="datetimeFigureOut">
               <a:rPr lang="en-AU" smtClean="0"/>
-              <a:t>16/05/2018</a:t>
+              <a:t>18/05/2018</a:t>
             </a:fld>
             <a:endParaRPr lang="en-AU"/>
           </a:p>
@@ -1834,7 +1835,7 @@
           <a:p>
             <a:fld id="{AC8F7B9F-5937-493E-97C3-505048254EEC}" type="datetimeFigureOut">
               <a:rPr lang="en-AU" smtClean="0"/>
-              <a:t>16/05/2018</a:t>
+              <a:t>18/05/2018</a:t>
             </a:fld>
             <a:endParaRPr lang="en-AU"/>
           </a:p>
@@ -1976,7 +1977,7 @@
           <a:p>
             <a:fld id="{AC8F7B9F-5937-493E-97C3-505048254EEC}" type="datetimeFigureOut">
               <a:rPr lang="en-AU" smtClean="0"/>
-              <a:t>16/05/2018</a:t>
+              <a:t>18/05/2018</a:t>
             </a:fld>
             <a:endParaRPr lang="en-AU"/>
           </a:p>
@@ -2089,7 +2090,7 @@
           <a:p>
             <a:fld id="{AC8F7B9F-5937-493E-97C3-505048254EEC}" type="datetimeFigureOut">
               <a:rPr lang="en-AU" smtClean="0"/>
-              <a:t>16/05/2018</a:t>
+              <a:t>18/05/2018</a:t>
             </a:fld>
             <a:endParaRPr lang="en-AU"/>
           </a:p>
@@ -2402,7 +2403,7 @@
           <a:p>
             <a:fld id="{AC8F7B9F-5937-493E-97C3-505048254EEC}" type="datetimeFigureOut">
               <a:rPr lang="en-AU" smtClean="0"/>
-              <a:t>16/05/2018</a:t>
+              <a:t>18/05/2018</a:t>
             </a:fld>
             <a:endParaRPr lang="en-AU"/>
           </a:p>
@@ -2691,7 +2692,7 @@
           <a:p>
             <a:fld id="{AC8F7B9F-5937-493E-97C3-505048254EEC}" type="datetimeFigureOut">
               <a:rPr lang="en-AU" smtClean="0"/>
-              <a:t>16/05/2018</a:t>
+              <a:t>18/05/2018</a:t>
             </a:fld>
             <a:endParaRPr lang="en-AU"/>
           </a:p>
@@ -2934,7 +2935,7 @@
           <a:p>
             <a:fld id="{AC8F7B9F-5937-493E-97C3-505048254EEC}" type="datetimeFigureOut">
               <a:rPr lang="en-AU" smtClean="0"/>
-              <a:t>16/05/2018</a:t>
+              <a:t>18/05/2018</a:t>
             </a:fld>
             <a:endParaRPr lang="en-AU"/>
           </a:p>
@@ -3379,7 +3380,7 @@
         </p:blipFill>
         <p:spPr>
           <a:xfrm>
-            <a:off x="3320144" y="3211926"/>
+            <a:off x="1574708" y="3602450"/>
             <a:ext cx="403410" cy="403410"/>
           </a:xfrm>
           <a:prstGeom prst="ellipse">
@@ -3391,6 +3392,72 @@
     <p:extLst>
       <p:ext uri="{BB962C8B-B14F-4D97-AF65-F5344CB8AC3E}">
         <p14:creationId xmlns:p14="http://schemas.microsoft.com/office/powerpoint/2010/main" val="2114067687"/>
+      </p:ext>
+    </p:extLst>
+  </p:cSld>
+  <p:clrMapOvr>
+    <a:masterClrMapping/>
+  </p:clrMapOvr>
+</p:sld>
+</file>
+
+<file path=ppt/slides/slide2.xml><?xml version="1.0" encoding="utf-8"?>
+<p:sld xmlns:a="http://schemas.openxmlformats.org/drawingml/2006/main" xmlns:r="http://schemas.openxmlformats.org/officeDocument/2006/relationships" xmlns:p="http://schemas.openxmlformats.org/presentationml/2006/main">
+  <p:cSld>
+    <p:spTree>
+      <p:nvGrpSpPr>
+        <p:cNvPr id="1" name=""/>
+        <p:cNvGrpSpPr/>
+        <p:nvPr/>
+      </p:nvGrpSpPr>
+      <p:grpSpPr>
+        <a:xfrm>
+          <a:off x="0" y="0"/>
+          <a:ext cx="0" cy="0"/>
+          <a:chOff x="0" y="0"/>
+          <a:chExt cx="0" cy="0"/>
+        </a:xfrm>
+      </p:grpSpPr>
+      <p:pic>
+        <p:nvPicPr>
+          <p:cNvPr id="5" name="Picture 4">
+            <a:extLst>
+              <a:ext uri="{FF2B5EF4-FFF2-40B4-BE49-F238E27FC236}">
+                <a16:creationId xmlns:a16="http://schemas.microsoft.com/office/drawing/2014/main" id="{D1F1FAC0-D2B4-4AF0-80DF-F10B248185E1}"/>
+              </a:ext>
+            </a:extLst>
+          </p:cNvPr>
+          <p:cNvPicPr>
+            <a:picLocks noChangeAspect="1"/>
+          </p:cNvPicPr>
+          <p:nvPr/>
+        </p:nvPicPr>
+        <p:blipFill>
+          <a:blip r:embed="rId2">
+            <a:extLst>
+              <a:ext uri="{28A0092B-C50C-407E-A947-70E740481C1C}">
+                <a14:useLocalDpi xmlns:a14="http://schemas.microsoft.com/office/drawing/2010/main" val="0"/>
+              </a:ext>
+            </a:extLst>
+          </a:blip>
+          <a:stretch>
+            <a:fillRect/>
+          </a:stretch>
+        </p:blipFill>
+        <p:spPr>
+          <a:xfrm>
+            <a:off x="4260557" y="0"/>
+            <a:ext cx="6858000" cy="6858000"/>
+          </a:xfrm>
+          <a:prstGeom prst="ellipse">
+            <a:avLst/>
+          </a:prstGeom>
+        </p:spPr>
+      </p:pic>
+    </p:spTree>
+    <p:extLst>
+      <p:ext uri="{BB962C8B-B14F-4D97-AF65-F5344CB8AC3E}">
+        <p14:creationId xmlns:p14="http://schemas.microsoft.com/office/powerpoint/2010/main" val="3347763408"/>
       </p:ext>
     </p:extLst>
   </p:cSld>

--- a/Neurograph Icon Files/icon.pptx
+++ b/Neurograph Icon Files/icon.pptx
@@ -7,6 +7,7 @@
   <p:sldIdLst>
     <p:sldId id="256" r:id="rId2"/>
     <p:sldId id="257" r:id="rId3"/>
+    <p:sldId id="258" r:id="rId4"/>
   </p:sldIdLst>
   <p:sldSz cx="12192000" cy="6858000"/>
   <p:notesSz cx="6858000" cy="9144000"/>
@@ -3467,6 +3468,86 @@
 </p:sld>
 </file>
 
+<file path=ppt/slides/slide3.xml><?xml version="1.0" encoding="utf-8"?>
+<p:sld xmlns:a="http://schemas.openxmlformats.org/drawingml/2006/main" xmlns:r="http://schemas.openxmlformats.org/officeDocument/2006/relationships" xmlns:p="http://schemas.openxmlformats.org/presentationml/2006/main">
+  <p:cSld>
+    <p:spTree>
+      <p:nvGrpSpPr>
+        <p:cNvPr id="1" name=""/>
+        <p:cNvGrpSpPr/>
+        <p:nvPr/>
+      </p:nvGrpSpPr>
+      <p:grpSpPr>
+        <a:xfrm>
+          <a:off x="0" y="0"/>
+          <a:ext cx="0" cy="0"/>
+          <a:chOff x="0" y="0"/>
+          <a:chExt cx="0" cy="0"/>
+        </a:xfrm>
+      </p:grpSpPr>
+      <p:sp>
+        <p:nvSpPr>
+          <p:cNvPr id="4" name="Rectangle 3">
+            <a:extLst>
+              <a:ext uri="{FF2B5EF4-FFF2-40B4-BE49-F238E27FC236}">
+                <a16:creationId xmlns:a16="http://schemas.microsoft.com/office/drawing/2014/main" id="{EBC11277-B078-4104-BDDD-35C851E93B0E}"/>
+              </a:ext>
+            </a:extLst>
+          </p:cNvPr>
+          <p:cNvSpPr/>
+          <p:nvPr/>
+        </p:nvSpPr>
+        <p:spPr>
+          <a:xfrm>
+            <a:off x="3580760" y="1759644"/>
+            <a:ext cx="1129553" cy="1091132"/>
+          </a:xfrm>
+          <a:prstGeom prst="rect">
+            <a:avLst/>
+          </a:prstGeom>
+          <a:noFill/>
+          <a:ln>
+            <a:noFill/>
+          </a:ln>
+        </p:spPr>
+        <p:style>
+          <a:lnRef idx="2">
+            <a:schemeClr val="accent1">
+              <a:shade val="50000"/>
+            </a:schemeClr>
+          </a:lnRef>
+          <a:fillRef idx="1">
+            <a:schemeClr val="accent1"/>
+          </a:fillRef>
+          <a:effectRef idx="0">
+            <a:schemeClr val="accent1"/>
+          </a:effectRef>
+          <a:fontRef idx="minor">
+            <a:schemeClr val="lt1"/>
+          </a:fontRef>
+        </p:style>
+        <p:txBody>
+          <a:bodyPr rtlCol="0" anchor="ctr"/>
+          <a:lstStyle/>
+          <a:p>
+            <a:pPr algn="ctr"/>
+            <a:endParaRPr lang="en-AU"/>
+          </a:p>
+        </p:txBody>
+      </p:sp>
+    </p:spTree>
+    <p:extLst>
+      <p:ext uri="{BB962C8B-B14F-4D97-AF65-F5344CB8AC3E}">
+        <p14:creationId xmlns:p14="http://schemas.microsoft.com/office/powerpoint/2010/main" val="2628519686"/>
+      </p:ext>
+    </p:extLst>
+  </p:cSld>
+  <p:clrMapOvr>
+    <a:masterClrMapping/>
+  </p:clrMapOvr>
+</p:sld>
+</file>
+
 <file path=ppt/theme/theme1.xml><?xml version="1.0" encoding="utf-8"?>
 <a:theme xmlns:a="http://schemas.openxmlformats.org/drawingml/2006/main" name="Office Theme">
   <a:themeElements>
